--- a/day3/IntroClass_Day3.pptx
+++ b/day3/IntroClass_Day3.pptx
@@ -200,7 +200,7 @@
           <a:p>
             <a:fld id="{6DF3D2F3-BACC-4A6F-95C2-FE9597716E85}" type="datetimeFigureOut">
               <a:rPr lang="en-US" smtClean="0"/>
-              <a:t>3/29/2016</a:t>
+              <a:t>7/19/2016</a:t>
             </a:fld>
             <a:endParaRPr lang="en-US"/>
           </a:p>
@@ -649,7 +649,7 @@
           <a:p>
             <a:fld id="{B78E714D-55F0-478F-AFA2-2E1E291A252C}" type="datetimeFigureOut">
               <a:rPr lang="en-US" smtClean="0"/>
-              <a:t>3/29/2016</a:t>
+              <a:t>7/19/2016</a:t>
             </a:fld>
             <a:endParaRPr lang="en-US"/>
           </a:p>
@@ -819,7 +819,7 @@
           <a:p>
             <a:fld id="{B78E714D-55F0-478F-AFA2-2E1E291A252C}" type="datetimeFigureOut">
               <a:rPr lang="en-US" smtClean="0"/>
-              <a:t>3/29/2016</a:t>
+              <a:t>7/19/2016</a:t>
             </a:fld>
             <a:endParaRPr lang="en-US"/>
           </a:p>
@@ -999,7 +999,7 @@
           <a:p>
             <a:fld id="{B78E714D-55F0-478F-AFA2-2E1E291A252C}" type="datetimeFigureOut">
               <a:rPr lang="en-US" smtClean="0"/>
-              <a:t>3/29/2016</a:t>
+              <a:t>7/19/2016</a:t>
             </a:fld>
             <a:endParaRPr lang="en-US"/>
           </a:p>
@@ -1248,7 +1248,7 @@
                 </a:solidFill>
               </a:rPr>
               <a:pPr/>
-              <a:t>3/29/2016</a:t>
+              <a:t>7/19/2016</a:t>
             </a:fld>
             <a:endParaRPr lang="en-US">
               <a:solidFill>
@@ -1450,7 +1450,7 @@
                 </a:solidFill>
               </a:rPr>
               <a:pPr/>
-              <a:t>3/29/2016</a:t>
+              <a:t>7/19/2016</a:t>
             </a:fld>
             <a:endParaRPr lang="en-US">
               <a:solidFill>
@@ -1728,7 +1728,7 @@
                 </a:solidFill>
               </a:rPr>
               <a:pPr/>
-              <a:t>3/29/2016</a:t>
+              <a:t>7/19/2016</a:t>
             </a:fld>
             <a:endParaRPr lang="en-US">
               <a:solidFill>
@@ -2048,7 +2048,7 @@
                 </a:solidFill>
               </a:rPr>
               <a:pPr/>
-              <a:t>3/29/2016</a:t>
+              <a:t>7/19/2016</a:t>
             </a:fld>
             <a:endParaRPr lang="en-US">
               <a:solidFill>
@@ -2502,7 +2502,7 @@
                 </a:solidFill>
               </a:rPr>
               <a:pPr/>
-              <a:t>3/29/2016</a:t>
+              <a:t>7/19/2016</a:t>
             </a:fld>
             <a:endParaRPr lang="en-US">
               <a:solidFill>
@@ -2652,7 +2652,7 @@
                 </a:solidFill>
               </a:rPr>
               <a:pPr/>
-              <a:t>3/29/2016</a:t>
+              <a:t>7/19/2016</a:t>
             </a:fld>
             <a:endParaRPr lang="en-US">
               <a:solidFill>
@@ -2779,7 +2779,7 @@
                 </a:solidFill>
               </a:rPr>
               <a:pPr/>
-              <a:t>3/29/2016</a:t>
+              <a:t>7/19/2016</a:t>
             </a:fld>
             <a:endParaRPr lang="en-US">
               <a:solidFill>
@@ -3088,7 +3088,7 @@
                 </a:solidFill>
               </a:rPr>
               <a:pPr/>
-              <a:t>3/29/2016</a:t>
+              <a:t>7/19/2016</a:t>
             </a:fld>
             <a:endParaRPr lang="en-US">
               <a:solidFill>
@@ -3283,7 +3283,7 @@
           <a:p>
             <a:fld id="{B78E714D-55F0-478F-AFA2-2E1E291A252C}" type="datetimeFigureOut">
               <a:rPr lang="en-US" smtClean="0"/>
-              <a:t>3/29/2016</a:t>
+              <a:t>7/19/2016</a:t>
             </a:fld>
             <a:endParaRPr lang="en-US"/>
           </a:p>
@@ -3543,7 +3543,7 @@
                 </a:solidFill>
               </a:rPr>
               <a:pPr/>
-              <a:t>3/29/2016</a:t>
+              <a:t>7/19/2016</a:t>
             </a:fld>
             <a:endParaRPr lang="en-US">
               <a:solidFill>
@@ -3745,7 +3745,7 @@
                 </a:solidFill>
               </a:rPr>
               <a:pPr/>
-              <a:t>3/29/2016</a:t>
+              <a:t>7/19/2016</a:t>
             </a:fld>
             <a:endParaRPr lang="en-US">
               <a:solidFill>
@@ -3957,7 +3957,7 @@
                 </a:solidFill>
               </a:rPr>
               <a:pPr/>
-              <a:t>3/29/2016</a:t>
+              <a:t>7/19/2016</a:t>
             </a:fld>
             <a:endParaRPr lang="en-US">
               <a:solidFill>
@@ -4228,7 +4228,7 @@
           <a:p>
             <a:fld id="{B78E714D-55F0-478F-AFA2-2E1E291A252C}" type="datetimeFigureOut">
               <a:rPr lang="en-US" smtClean="0"/>
-              <a:t>3/29/2016</a:t>
+              <a:t>7/19/2016</a:t>
             </a:fld>
             <a:endParaRPr lang="en-US"/>
           </a:p>
@@ -4516,7 +4516,7 @@
           <a:p>
             <a:fld id="{B78E714D-55F0-478F-AFA2-2E1E291A252C}" type="datetimeFigureOut">
               <a:rPr lang="en-US" smtClean="0"/>
-              <a:t>3/29/2016</a:t>
+              <a:t>7/19/2016</a:t>
             </a:fld>
             <a:endParaRPr lang="en-US"/>
           </a:p>
@@ -4938,7 +4938,7 @@
           <a:p>
             <a:fld id="{B78E714D-55F0-478F-AFA2-2E1E291A252C}" type="datetimeFigureOut">
               <a:rPr lang="en-US" smtClean="0"/>
-              <a:t>3/29/2016</a:t>
+              <a:t>7/19/2016</a:t>
             </a:fld>
             <a:endParaRPr lang="en-US"/>
           </a:p>
@@ -5056,7 +5056,7 @@
           <a:p>
             <a:fld id="{B78E714D-55F0-478F-AFA2-2E1E291A252C}" type="datetimeFigureOut">
               <a:rPr lang="en-US" smtClean="0"/>
-              <a:t>3/29/2016</a:t>
+              <a:t>7/19/2016</a:t>
             </a:fld>
             <a:endParaRPr lang="en-US"/>
           </a:p>
@@ -5151,7 +5151,7 @@
           <a:p>
             <a:fld id="{B78E714D-55F0-478F-AFA2-2E1E291A252C}" type="datetimeFigureOut">
               <a:rPr lang="en-US" smtClean="0"/>
-              <a:t>3/29/2016</a:t>
+              <a:t>7/19/2016</a:t>
             </a:fld>
             <a:endParaRPr lang="en-US"/>
           </a:p>
@@ -5428,7 +5428,7 @@
           <a:p>
             <a:fld id="{B78E714D-55F0-478F-AFA2-2E1E291A252C}" type="datetimeFigureOut">
               <a:rPr lang="en-US" smtClean="0"/>
-              <a:t>3/29/2016</a:t>
+              <a:t>7/19/2016</a:t>
             </a:fld>
             <a:endParaRPr lang="en-US"/>
           </a:p>
@@ -5681,7 +5681,7 @@
           <a:p>
             <a:fld id="{B78E714D-55F0-478F-AFA2-2E1E291A252C}" type="datetimeFigureOut">
               <a:rPr lang="en-US" smtClean="0"/>
-              <a:t>3/29/2016</a:t>
+              <a:t>7/19/2016</a:t>
             </a:fld>
             <a:endParaRPr lang="en-US"/>
           </a:p>
@@ -5899,7 +5899,7 @@
           <a:p>
             <a:fld id="{B78E714D-55F0-478F-AFA2-2E1E291A252C}" type="datetimeFigureOut">
               <a:rPr lang="en-US" smtClean="0"/>
-              <a:t>3/29/2016</a:t>
+              <a:t>7/19/2016</a:t>
             </a:fld>
             <a:endParaRPr lang="en-US"/>
           </a:p>
@@ -6442,7 +6442,7 @@
                 </a:solidFill>
               </a:rPr>
               <a:pPr/>
-              <a:t>3/29/2016</a:t>
+              <a:t>7/19/2016</a:t>
             </a:fld>
             <a:endParaRPr lang="en-US">
               <a:solidFill>
@@ -12509,9 +12509,7 @@
             </a:r>
           </a:p>
           <a:p>
-            <a:pPr marL="457200" lvl="1" indent="0">
-              <a:buNone/>
-            </a:pPr>
+            <a:pPr lvl="1"/>
             <a:endParaRPr lang="en-US" sz="2400" dirty="0" smtClean="0">
               <a:solidFill>
                 <a:prstClr val="black"/>
@@ -12528,7 +12526,16 @@
                 </a:solidFill>
                 <a:latin typeface="Corbel" panose="020B0503020204020204" pitchFamily="34" charset="0"/>
               </a:rPr>
-              <a:t>Spatial data repositories</a:t>
+              <a:t>Spatial </a:t>
+            </a:r>
+            <a:r>
+              <a:rPr lang="en-US" sz="2400" dirty="0" smtClean="0">
+                <a:solidFill>
+                  <a:prstClr val="black"/>
+                </a:solidFill>
+                <a:latin typeface="Corbel" panose="020B0503020204020204" pitchFamily="34" charset="0"/>
+              </a:rPr>
+              <a:t>data repositories</a:t>
             </a:r>
           </a:p>
           <a:p>
@@ -12606,48 +12613,15 @@
                 </a:solidFill>
                 <a:latin typeface="Corbel" panose="020B0503020204020204" pitchFamily="34" charset="0"/>
               </a:rPr>
-              <a:t>Here’s </a:t>
-            </a:r>
-            <a:r>
-              <a:rPr lang="en-US" sz="2400" dirty="0" smtClean="0">
-                <a:solidFill>
-                  <a:prstClr val="black"/>
-                </a:solidFill>
-                <a:latin typeface="Corbel" panose="020B0503020204020204" pitchFamily="34" charset="0"/>
-              </a:rPr>
-              <a:t>our growing list of good </a:t>
-            </a:r>
-            <a:r>
-              <a:rPr lang="en-US" sz="2400" dirty="0" smtClean="0">
-                <a:solidFill>
-                  <a:prstClr val="black"/>
-                </a:solidFill>
-                <a:latin typeface="Corbel" panose="020B0503020204020204" pitchFamily="34" charset="0"/>
-              </a:rPr>
-              <a:t>sources:</a:t>
+              <a:t>Here’s our growing list of good sources:</a:t>
             </a:r>
           </a:p>
           <a:p>
             <a:pPr lvl="2"/>
             <a:r>
-              <a:rPr lang="en-US" sz="1600" dirty="0">
-                <a:solidFill>
-                  <a:prstClr val="black"/>
-                </a:solidFill>
-                <a:latin typeface="Corbel" panose="020B0503020204020204" pitchFamily="34" charset="0"/>
-                <a:hlinkClick r:id="rId2"/>
-              </a:rPr>
-              <a:t>https://docs.google.com/document/d/1MmuemQHztnSK5Xj4DNlbgvtXErR0w_aImZjQWyz3N1Y/pub</a:t>
-            </a:r>
-            <a:endParaRPr lang="en-US" sz="1600" dirty="0">
-              <a:solidFill>
-                <a:prstClr val="black"/>
-              </a:solidFill>
-              <a:latin typeface="Corbel" panose="020B0503020204020204" pitchFamily="34" charset="0"/>
-            </a:endParaRPr>
-          </a:p>
-          <a:p>
-            <a:pPr lvl="2"/>
+              <a:rPr lang="en-US" sz="1600" b="1" dirty="0"/>
+              <a:t>http://tinyurl.com/heqbyxe</a:t>
+            </a:r>
             <a:endParaRPr lang="en-US" sz="1600" dirty="0" smtClean="0">
               <a:solidFill>
                 <a:prstClr val="black"/>
@@ -13054,55 +13028,6 @@
                       </p:childTnLst>
                     </p:cTn>
                   </p:par>
-                  <p:par>
-                    <p:cTn id="31" fill="hold">
-                      <p:stCondLst>
-                        <p:cond delay="indefinite"/>
-                      </p:stCondLst>
-                      <p:childTnLst>
-                        <p:par>
-                          <p:cTn id="32" fill="hold">
-                            <p:stCondLst>
-                              <p:cond delay="0"/>
-                            </p:stCondLst>
-                            <p:childTnLst>
-                              <p:par>
-                                <p:cTn id="33" presetID="1" presetClass="entr" presetSubtype="0" fill="hold" nodeType="clickEffect">
-                                  <p:stCondLst>
-                                    <p:cond delay="0"/>
-                                  </p:stCondLst>
-                                  <p:childTnLst>
-                                    <p:set>
-                                      <p:cBhvr>
-                                        <p:cTn id="34" dur="1" fill="hold">
-                                          <p:stCondLst>
-                                            <p:cond delay="0"/>
-                                          </p:stCondLst>
-                                        </p:cTn>
-                                        <p:tgtEl>
-                                          <p:spTgt spid="14">
-                                            <p:txEl>
-                                              <p:pRg st="10" end="10"/>
-                                            </p:txEl>
-                                          </p:spTgt>
-                                        </p:tgtEl>
-                                        <p:attrNameLst>
-                                          <p:attrName>style.visibility</p:attrName>
-                                        </p:attrNameLst>
-                                      </p:cBhvr>
-                                      <p:to>
-                                        <p:strVal val="visible"/>
-                                      </p:to>
-                                    </p:set>
-                                  </p:childTnLst>
-                                </p:cTn>
-                              </p:par>
-                            </p:childTnLst>
-                          </p:cTn>
-                        </p:par>
-                      </p:childTnLst>
-                    </p:cTn>
-                  </p:par>
                 </p:childTnLst>
               </p:cTn>
               <p:prevCondLst>
@@ -13341,16 +13266,7 @@
                 </a:solidFill>
                 <a:latin typeface="Corbel" panose="020B0503020204020204" pitchFamily="34" charset="0"/>
               </a:rPr>
-              <a:t>Data about the </a:t>
-            </a:r>
-            <a:r>
-              <a:rPr lang="en-US" sz="2400" dirty="0" smtClean="0">
-                <a:solidFill>
-                  <a:prstClr val="black"/>
-                </a:solidFill>
-                <a:latin typeface="Corbel" panose="020B0503020204020204" pitchFamily="34" charset="0"/>
-              </a:rPr>
-              <a:t>data</a:t>
+              <a:t>Data about the data</a:t>
             </a:r>
           </a:p>
           <a:p>
@@ -13454,16 +13370,7 @@
                 </a:solidFill>
                 <a:latin typeface="Corbel" panose="020B0503020204020204" pitchFamily="34" charset="0"/>
               </a:rPr>
-              <a:t>Comes </a:t>
-            </a:r>
-            <a:r>
-              <a:rPr lang="en-US" sz="2400" dirty="0" smtClean="0">
-                <a:solidFill>
-                  <a:prstClr val="black"/>
-                </a:solidFill>
-                <a:latin typeface="Corbel" panose="020B0503020204020204" pitchFamily="34" charset="0"/>
-              </a:rPr>
-              <a:t>in many shapes and sizes</a:t>
+              <a:t>Comes in many shapes and sizes</a:t>
             </a:r>
           </a:p>
           <a:p>
@@ -13538,8 +13445,32 @@
                 </a:solidFill>
                 <a:latin typeface="Corbel" panose="020B0503020204020204" pitchFamily="34" charset="0"/>
               </a:rPr>
-              <a:t>Or INSANELY EXISTANT!</a:t>
-            </a:r>
+              <a:t>Or </a:t>
+            </a:r>
+            <a:r>
+              <a:rPr lang="en-US" sz="1800" dirty="0" smtClean="0">
+                <a:solidFill>
+                  <a:prstClr val="black"/>
+                </a:solidFill>
+                <a:latin typeface="Corbel" panose="020B0503020204020204" pitchFamily="34" charset="0"/>
+              </a:rPr>
+              <a:t>extremely existent</a:t>
+            </a:r>
+            <a:r>
+              <a:rPr lang="en-US" sz="1800" dirty="0" smtClean="0">
+                <a:solidFill>
+                  <a:prstClr val="black"/>
+                </a:solidFill>
+                <a:latin typeface="Corbel" panose="020B0503020204020204" pitchFamily="34" charset="0"/>
+              </a:rPr>
+              <a:t>!</a:t>
+            </a:r>
+            <a:endParaRPr lang="en-US" sz="1800" dirty="0" smtClean="0">
+              <a:solidFill>
+                <a:prstClr val="black"/>
+              </a:solidFill>
+              <a:latin typeface="Corbel" panose="020B0503020204020204" pitchFamily="34" charset="0"/>
+            </a:endParaRPr>
           </a:p>
           <a:p>
             <a:pPr lvl="3"/>
